--- a/free-apps/src/main/resources/ppt/20230430.pptx
+++ b/free-apps/src/main/resources/ppt/20230430.pptx
@@ -262,7 +262,7 @@
           <a:p>
             <a:fld id="{F4FD6E9F-24F3-4130-A761-10060E1782FF}" type="datetimeFigureOut">
               <a:rPr lang="zh-CN" altLang="en-US" smtClean="0"/>
-              <a:t>2023/4/30</a:t>
+              <a:t>2023/5/28</a:t>
             </a:fld>
             <a:endParaRPr lang="zh-CN" altLang="en-US"/>
           </a:p>
@@ -460,7 +460,7 @@
           <a:p>
             <a:fld id="{F4FD6E9F-24F3-4130-A761-10060E1782FF}" type="datetimeFigureOut">
               <a:rPr lang="zh-CN" altLang="en-US" smtClean="0"/>
-              <a:t>2023/4/30</a:t>
+              <a:t>2023/5/28</a:t>
             </a:fld>
             <a:endParaRPr lang="zh-CN" altLang="en-US"/>
           </a:p>
@@ -668,7 +668,7 @@
           <a:p>
             <a:fld id="{F4FD6E9F-24F3-4130-A761-10060E1782FF}" type="datetimeFigureOut">
               <a:rPr lang="zh-CN" altLang="en-US" smtClean="0"/>
-              <a:t>2023/4/30</a:t>
+              <a:t>2023/5/28</a:t>
             </a:fld>
             <a:endParaRPr lang="zh-CN" altLang="en-US"/>
           </a:p>
@@ -866,7 +866,7 @@
           <a:p>
             <a:fld id="{F4FD6E9F-24F3-4130-A761-10060E1782FF}" type="datetimeFigureOut">
               <a:rPr lang="zh-CN" altLang="en-US" smtClean="0"/>
-              <a:t>2023/4/30</a:t>
+              <a:t>2023/5/28</a:t>
             </a:fld>
             <a:endParaRPr lang="zh-CN" altLang="en-US"/>
           </a:p>
@@ -1141,7 +1141,7 @@
           <a:p>
             <a:fld id="{F4FD6E9F-24F3-4130-A761-10060E1782FF}" type="datetimeFigureOut">
               <a:rPr lang="zh-CN" altLang="en-US" smtClean="0"/>
-              <a:t>2023/4/30</a:t>
+              <a:t>2023/5/28</a:t>
             </a:fld>
             <a:endParaRPr lang="zh-CN" altLang="en-US"/>
           </a:p>
@@ -1406,7 +1406,7 @@
           <a:p>
             <a:fld id="{F4FD6E9F-24F3-4130-A761-10060E1782FF}" type="datetimeFigureOut">
               <a:rPr lang="zh-CN" altLang="en-US" smtClean="0"/>
-              <a:t>2023/4/30</a:t>
+              <a:t>2023/5/28</a:t>
             </a:fld>
             <a:endParaRPr lang="zh-CN" altLang="en-US"/>
           </a:p>
@@ -1818,7 +1818,7 @@
           <a:p>
             <a:fld id="{F4FD6E9F-24F3-4130-A761-10060E1782FF}" type="datetimeFigureOut">
               <a:rPr lang="zh-CN" altLang="en-US" smtClean="0"/>
-              <a:t>2023/4/30</a:t>
+              <a:t>2023/5/28</a:t>
             </a:fld>
             <a:endParaRPr lang="zh-CN" altLang="en-US"/>
           </a:p>
@@ -1959,7 +1959,7 @@
           <a:p>
             <a:fld id="{F4FD6E9F-24F3-4130-A761-10060E1782FF}" type="datetimeFigureOut">
               <a:rPr lang="zh-CN" altLang="en-US" smtClean="0"/>
-              <a:t>2023/4/30</a:t>
+              <a:t>2023/5/28</a:t>
             </a:fld>
             <a:endParaRPr lang="zh-CN" altLang="en-US"/>
           </a:p>
@@ -2072,7 +2072,7 @@
           <a:p>
             <a:fld id="{F4FD6E9F-24F3-4130-A761-10060E1782FF}" type="datetimeFigureOut">
               <a:rPr lang="zh-CN" altLang="en-US" smtClean="0"/>
-              <a:t>2023/4/30</a:t>
+              <a:t>2023/5/28</a:t>
             </a:fld>
             <a:endParaRPr lang="zh-CN" altLang="en-US"/>
           </a:p>
@@ -2383,7 +2383,7 @@
           <a:p>
             <a:fld id="{F4FD6E9F-24F3-4130-A761-10060E1782FF}" type="datetimeFigureOut">
               <a:rPr lang="zh-CN" altLang="en-US" smtClean="0"/>
-              <a:t>2023/4/30</a:t>
+              <a:t>2023/5/28</a:t>
             </a:fld>
             <a:endParaRPr lang="zh-CN" altLang="en-US"/>
           </a:p>
@@ -2671,7 +2671,7 @@
           <a:p>
             <a:fld id="{F4FD6E9F-24F3-4130-A761-10060E1782FF}" type="datetimeFigureOut">
               <a:rPr lang="zh-CN" altLang="en-US" smtClean="0"/>
-              <a:t>2023/4/30</a:t>
+              <a:t>2023/5/28</a:t>
             </a:fld>
             <a:endParaRPr lang="zh-CN" altLang="en-US"/>
           </a:p>
@@ -2912,7 +2912,7 @@
           <a:p>
             <a:fld id="{F4FD6E9F-24F3-4130-A761-10060E1782FF}" type="datetimeFigureOut">
               <a:rPr lang="zh-CN" altLang="en-US" smtClean="0"/>
-              <a:t>2023/4/30</a:t>
+              <a:t>2023/5/28</a:t>
             </a:fld>
             <a:endParaRPr lang="zh-CN" altLang="en-US"/>
           </a:p>
@@ -3356,8 +3356,8 @@
         </p:blipFill>
         <p:spPr>
           <a:xfrm>
-            <a:off x="4729341" y="-1"/>
-            <a:ext cx="7462660" cy="6858001"/>
+            <a:off x="5448563" y="-1"/>
+            <a:ext cx="6743437" cy="6858001"/>
           </a:xfrm>
           <a:prstGeom prst="rect">
             <a:avLst/>
@@ -3378,7 +3378,7 @@
         </p:nvSpPr>
         <p:spPr>
           <a:xfrm>
-            <a:off x="885314" y="1935312"/>
+            <a:off x="1591607" y="1951767"/>
             <a:ext cx="4617898" cy="2542872"/>
           </a:xfrm>
           <a:prstGeom prst="roundRect">
@@ -3459,7 +3459,7 @@
         </p:nvSpPr>
         <p:spPr>
           <a:xfrm>
-            <a:off x="1005384" y="269484"/>
+            <a:off x="1711677" y="269484"/>
             <a:ext cx="4038600" cy="523220"/>
           </a:xfrm>
           <a:prstGeom prst="rect">
@@ -3505,7 +3505,7 @@
         </p:nvCxnSpPr>
         <p:spPr>
           <a:xfrm>
-            <a:off x="975322" y="285938"/>
+            <a:off x="1681615" y="302393"/>
             <a:ext cx="0" cy="490311"/>
           </a:xfrm>
           <a:prstGeom prst="line">
@@ -3546,7 +3546,7 @@
         </p:nvGrpSpPr>
         <p:grpSpPr>
           <a:xfrm>
-            <a:off x="975322" y="5203521"/>
+            <a:off x="1681615" y="5203521"/>
             <a:ext cx="2889678" cy="1384995"/>
             <a:chOff x="171376" y="5000321"/>
             <a:chExt cx="2889678" cy="1384995"/>
@@ -3675,7 +3675,7 @@
         </p:nvSpPr>
         <p:spPr>
           <a:xfrm>
-            <a:off x="2940733" y="1303487"/>
+            <a:off x="3678222" y="1316099"/>
             <a:ext cx="5142059" cy="1517649"/>
           </a:xfrm>
           <a:prstGeom prst="roundRect">
@@ -3720,7 +3720,7 @@
             <a:r>
               <a:rPr lang="en-US" altLang="zh-CN" sz="5400" b="1" dirty="0">
                 <a:solidFill>
-                  <a:srgbClr val="FF5F57"/>
+                  <a:srgbClr val="FFFF00"/>
                 </a:solidFill>
               </a:rPr>
               <a:t>{total}</a:t>
